--- a/Redes/REDES.pptx
+++ b/Redes/REDES.pptx
@@ -220,7 +220,7 @@
           <a:p>
             <a:fld id="{B56F32FC-4BD9-442A-A8C6-51598C909FE3}" type="datetimeFigureOut">
               <a:rPr lang="en-US" smtClean="0"/>
-              <a:t>2/20/2024</a:t>
+              <a:t>2/21/2024</a:t>
             </a:fld>
             <a:endParaRPr lang="en-US" dirty="0"/>
           </a:p>
@@ -298,7 +298,7 @@
           <a:p>
             <a:fld id="{28EEFA9E-C190-4F5C-8394-BD5F1CD55C02}" type="slidenum">
               <a:rPr lang="en-US" smtClean="0"/>
-              <a:t>‹Nº›</a:t>
+              <a:t>‹#›</a:t>
             </a:fld>
             <a:endParaRPr lang="en-US" dirty="0"/>
           </a:p>
@@ -397,7 +397,7 @@
           <a:p>
             <a:fld id="{056371FA-A98D-41E8-93F4-09945841298A}" type="datetimeFigureOut">
               <a:rPr lang="en-US" smtClean="0"/>
-              <a:t>2/20/2024</a:t>
+              <a:t>2/21/2024</a:t>
             </a:fld>
             <a:endParaRPr lang="en-US" dirty="0"/>
           </a:p>
@@ -555,7 +555,7 @@
           <a:p>
             <a:fld id="{22289C57-55D7-40A4-A101-E74FAC7A092B}" type="slidenum">
               <a:rPr lang="en-US" smtClean="0"/>
-              <a:t>‹Nº›</a:t>
+              <a:t>‹#›</a:t>
             </a:fld>
             <a:endParaRPr lang="en-US" dirty="0"/>
           </a:p>
@@ -1140,7 +1140,7 @@
             <a:fld id="{A49DFD55-3C28-40EF-9E31-A92D2E4017FF}" type="slidenum">
               <a:rPr lang="en-US" smtClean="0"/>
               <a:pPr/>
-              <a:t>‹Nº›</a:t>
+              <a:t>‹#›</a:t>
             </a:fld>
             <a:endParaRPr lang="en-US" dirty="0"/>
           </a:p>
@@ -1751,7 +1751,7 @@
             <a:fld id="{A49DFD55-3C28-40EF-9E31-A92D2E4017FF}" type="slidenum">
               <a:rPr lang="en-US" smtClean="0"/>
               <a:pPr/>
-              <a:t>‹Nº›</a:t>
+              <a:t>‹#›</a:t>
             </a:fld>
             <a:endParaRPr lang="en-US" dirty="0"/>
           </a:p>
@@ -2488,7 +2488,7 @@
             <a:fld id="{A49DFD55-3C28-40EF-9E31-A92D2E4017FF}" type="slidenum">
               <a:rPr lang="en-US" smtClean="0"/>
               <a:pPr/>
-              <a:t>‹Nº›</a:t>
+              <a:t>‹#›</a:t>
             </a:fld>
             <a:endParaRPr lang="en-US" dirty="0"/>
           </a:p>
@@ -3254,7 +3254,7 @@
             <a:fld id="{A49DFD55-3C28-40EF-9E31-A92D2E4017FF}" type="slidenum">
               <a:rPr lang="en-US" smtClean="0"/>
               <a:pPr/>
-              <a:t>‹Nº›</a:t>
+              <a:t>‹#›</a:t>
             </a:fld>
             <a:endParaRPr lang="en-US" dirty="0"/>
           </a:p>
@@ -3788,7 +3788,7 @@
             <a:fld id="{A49DFD55-3C28-40EF-9E31-A92D2E4017FF}" type="slidenum">
               <a:rPr lang="en-US" smtClean="0"/>
               <a:pPr/>
-              <a:t>‹Nº›</a:t>
+              <a:t>‹#›</a:t>
             </a:fld>
             <a:endParaRPr lang="en-US" dirty="0"/>
           </a:p>
@@ -4109,7 +4109,7 @@
             <a:fld id="{A49DFD55-3C28-40EF-9E31-A92D2E4017FF}" type="slidenum">
               <a:rPr lang="en-US" smtClean="0"/>
               <a:pPr/>
-              <a:t>‹Nº›</a:t>
+              <a:t>‹#›</a:t>
             </a:fld>
             <a:endParaRPr lang="en-US" dirty="0"/>
           </a:p>
@@ -4459,7 +4459,7 @@
             <a:fld id="{A49DFD55-3C28-40EF-9E31-A92D2E4017FF}" type="slidenum">
               <a:rPr lang="en-US" smtClean="0"/>
               <a:pPr/>
-              <a:t>‹Nº›</a:t>
+              <a:t>‹#›</a:t>
             </a:fld>
             <a:endParaRPr lang="en-US" dirty="0"/>
           </a:p>
@@ -4771,7 +4771,7 @@
             <a:fld id="{A49DFD55-3C28-40EF-9E31-A92D2E4017FF}" type="slidenum">
               <a:rPr lang="en-US" smtClean="0"/>
               <a:pPr/>
-              <a:t>‹Nº›</a:t>
+              <a:t>‹#›</a:t>
             </a:fld>
             <a:endParaRPr lang="en-US" dirty="0"/>
           </a:p>
@@ -5245,7 +5245,7 @@
             <a:fld id="{A49DFD55-3C28-40EF-9E31-A92D2E4017FF}" type="slidenum">
               <a:rPr lang="en-US" smtClean="0"/>
               <a:pPr/>
-              <a:t>‹Nº›</a:t>
+              <a:t>‹#›</a:t>
             </a:fld>
             <a:endParaRPr lang="en-US" dirty="0"/>
           </a:p>
@@ -5487,7 +5487,7 @@
             <a:fld id="{A49DFD55-3C28-40EF-9E31-A92D2E4017FF}" type="slidenum">
               <a:rPr lang="en-US" smtClean="0"/>
               <a:pPr/>
-              <a:t>‹Nº›</a:t>
+              <a:t>‹#›</a:t>
             </a:fld>
             <a:endParaRPr lang="en-US" dirty="0"/>
           </a:p>
@@ -5794,7 +5794,7 @@
             <a:fld id="{A49DFD55-3C28-40EF-9E31-A92D2E4017FF}" type="slidenum">
               <a:rPr lang="en-US" smtClean="0"/>
               <a:pPr/>
-              <a:t>‹Nº›</a:t>
+              <a:t>‹#›</a:t>
             </a:fld>
             <a:endParaRPr lang="en-US" dirty="0"/>
           </a:p>
@@ -6814,7 +6814,7 @@
             <a:fld id="{A49DFD55-3C28-40EF-9E31-A92D2E4017FF}" type="slidenum">
               <a:rPr lang="en-US" smtClean="0"/>
               <a:pPr/>
-              <a:t>‹Nº›</a:t>
+              <a:t>‹#›</a:t>
             </a:fld>
             <a:endParaRPr lang="en-US" dirty="0"/>
           </a:p>
@@ -8901,7 +8901,7 @@
             <a:fld id="{A49DFD55-3C28-40EF-9E31-A92D2E4017FF}" type="slidenum">
               <a:rPr lang="en-US" smtClean="0"/>
               <a:pPr/>
-              <a:t>‹Nº›</a:t>
+              <a:t>‹#›</a:t>
             </a:fld>
             <a:endParaRPr lang="en-US" dirty="0"/>
           </a:p>
@@ -9182,7 +9182,7 @@
           <a:p>
             <a:fld id="{A49DFD55-3C28-40EF-9E31-A92D2E4017FF}" type="slidenum">
               <a:rPr lang="en-US" smtClean="0"/>
-              <a:t>‹Nº›</a:t>
+              <a:t>‹#›</a:t>
             </a:fld>
             <a:endParaRPr lang="en-US" dirty="0"/>
           </a:p>
@@ -9816,27 +9816,29 @@
         </p:nvSpPr>
         <p:spPr>
           <a:xfrm>
-            <a:off x="1362075" y="1671639"/>
+            <a:off x="358464" y="466726"/>
             <a:ext cx="5111750" cy="1204912"/>
           </a:xfrm>
         </p:spPr>
         <p:txBody>
-          <a:bodyPr/>
+          <a:bodyPr>
+            <a:normAutofit/>
+          </a:bodyPr>
           <a:lstStyle/>
           <a:p>
             <a:r>
-              <a:rPr lang="en-US" dirty="0" err="1"/>
+              <a:rPr lang="en-US" sz="4800" dirty="0" err="1"/>
               <a:t>Modelo</a:t>
             </a:r>
             <a:r>
-              <a:rPr lang="en-US" dirty="0"/>
+              <a:rPr lang="en-US" sz="4800" dirty="0"/>
               <a:t> </a:t>
             </a:r>
             <a:r>
-              <a:rPr lang="en-US" dirty="0" err="1"/>
+              <a:rPr lang="en-US" sz="4800" dirty="0" err="1"/>
               <a:t>osi</a:t>
             </a:r>
-            <a:endParaRPr lang="en-US" dirty="0"/>
+            <a:endParaRPr lang="en-US" sz="4800" dirty="0"/>
           </a:p>
         </p:txBody>
       </p:sp>
@@ -9858,18 +9860,34 @@
         </p:nvSpPr>
         <p:spPr>
           <a:xfrm>
-            <a:off x="1362075" y="3660774"/>
-            <a:ext cx="5111750" cy="1525588"/>
-          </a:xfrm>
-        </p:spPr>
-        <p:txBody>
-          <a:bodyPr/>
+            <a:off x="180045" y="2021544"/>
+            <a:ext cx="5111750" cy="3174923"/>
+          </a:xfrm>
+        </p:spPr>
+        <p:txBody>
+          <a:bodyPr>
+            <a:normAutofit/>
+          </a:bodyPr>
           <a:lstStyle/>
           <a:p>
             <a:r>
-              <a:rPr lang="en-US" dirty="0"/>
-              <a:t>At Contoso, we empower organizations to foster collaborative thinking to further drive workplace innovation. By closing the loop and leveraging agile frameworks, we help business grow organically and foster a consumer-first mindset.​</a:t>
-            </a:r>
+              <a:rPr lang="en-US" sz="2800" dirty="0"/>
+              <a:t>OSI = Open System Interconnection</a:t>
+            </a:r>
+          </a:p>
+          <a:p>
+            <a:endParaRPr lang="en-US" sz="2800" dirty="0"/>
+          </a:p>
+          <a:p>
+            <a:r>
+              <a:rPr lang="en-US" sz="2800" dirty="0"/>
+              <a:t>7 </a:t>
+            </a:r>
+            <a:r>
+              <a:rPr lang="en-US" sz="2800" dirty="0" err="1"/>
+              <a:t>capas</a:t>
+            </a:r>
+            <a:endParaRPr lang="en-US" sz="2800" dirty="0"/>
           </a:p>
         </p:txBody>
       </p:sp>
@@ -9941,6 +9959,53 @@
           </a:p>
         </p:txBody>
       </p:sp>
+      <p:pic>
+        <p:nvPicPr>
+          <p:cNvPr id="1028" name="Picture 4" descr="Introducción al modelo OSI – El Ingesor">
+            <a:extLst>
+              <a:ext uri="{FF2B5EF4-FFF2-40B4-BE49-F238E27FC236}">
+                <a16:creationId xmlns:a16="http://schemas.microsoft.com/office/drawing/2014/main" id="{49105562-FC1C-091D-5B92-CAA6DCB252FE}"/>
+              </a:ext>
+            </a:extLst>
+          </p:cNvPr>
+          <p:cNvPicPr>
+            <a:picLocks noChangeAspect="1" noChangeArrowheads="1"/>
+          </p:cNvPicPr>
+          <p:nvPr/>
+        </p:nvPicPr>
+        <p:blipFill>
+          <a:blip r:embed="rId2">
+            <a:extLst>
+              <a:ext uri="{28A0092B-C50C-407E-A947-70E740481C1C}">
+                <a14:useLocalDpi xmlns:a14="http://schemas.microsoft.com/office/drawing/2010/main" val="0"/>
+              </a:ext>
+            </a:extLst>
+          </a:blip>
+          <a:srcRect/>
+          <a:stretch>
+            <a:fillRect/>
+          </a:stretch>
+        </p:blipFill>
+        <p:spPr bwMode="auto">
+          <a:xfrm>
+            <a:off x="4902819" y="736988"/>
+            <a:ext cx="6560634" cy="4920476"/>
+          </a:xfrm>
+          <a:prstGeom prst="rect">
+            <a:avLst/>
+          </a:prstGeom>
+          <a:noFill/>
+          <a:extLst>
+            <a:ext uri="{909E8E84-426E-40DD-AFC4-6F175D3DCCD1}">
+              <a14:hiddenFill xmlns:a14="http://schemas.microsoft.com/office/drawing/2010/main">
+                <a:solidFill>
+                  <a:srgbClr val="FFFFFF"/>
+                </a:solidFill>
+              </a14:hiddenFill>
+            </a:ext>
+          </a:extLst>
+        </p:spPr>
+      </p:pic>
     </p:spTree>
     <p:extLst>
       <p:ext uri="{BB962C8B-B14F-4D97-AF65-F5344CB8AC3E}">
@@ -9989,74 +10054,8 @@
         </p:nvSpPr>
         <p:spPr>
           <a:xfrm>
-            <a:off x="2933700" y="892177"/>
+            <a:off x="3770312" y="73622"/>
             <a:ext cx="8421688" cy="1325563"/>
-          </a:xfrm>
-        </p:spPr>
-        <p:txBody>
-          <a:bodyPr/>
-          <a:lstStyle/>
-          <a:p>
-            <a:r>
-              <a:rPr lang="en-US" dirty="0"/>
-              <a:t>Layer 1</a:t>
-            </a:r>
-          </a:p>
-        </p:txBody>
-      </p:sp>
-      <p:sp>
-        <p:nvSpPr>
-          <p:cNvPr id="3" name="Text Placeholder 2">
-            <a:extLst>
-              <a:ext uri="{FF2B5EF4-FFF2-40B4-BE49-F238E27FC236}">
-                <a16:creationId xmlns:a16="http://schemas.microsoft.com/office/drawing/2014/main" id="{A45AD8B9-3719-4696-A80F-16A618C5D134}"/>
-              </a:ext>
-            </a:extLst>
-          </p:cNvPr>
-          <p:cNvSpPr>
-            <a:spLocks noGrp="1"/>
-          </p:cNvSpPr>
-          <p:nvPr>
-            <p:ph type="body" idx="1"/>
-          </p:nvPr>
-        </p:nvSpPr>
-        <p:spPr>
-          <a:xfrm>
-            <a:off x="2933700" y="2776936"/>
-            <a:ext cx="3924300" cy="823912"/>
-          </a:xfrm>
-        </p:spPr>
-        <p:txBody>
-          <a:bodyPr/>
-          <a:lstStyle/>
-          <a:p>
-            <a:r>
-              <a:rPr lang="en-US" dirty="0"/>
-              <a:t>B2B MARKET SCENARIOS</a:t>
-            </a:r>
-          </a:p>
-        </p:txBody>
-      </p:sp>
-      <p:sp>
-        <p:nvSpPr>
-          <p:cNvPr id="4" name="Content Placeholder 3">
-            <a:extLst>
-              <a:ext uri="{FF2B5EF4-FFF2-40B4-BE49-F238E27FC236}">
-                <a16:creationId xmlns:a16="http://schemas.microsoft.com/office/drawing/2014/main" id="{33D8731E-4977-402E-8BFD-895B4D0544CC}"/>
-              </a:ext>
-            </a:extLst>
-          </p:cNvPr>
-          <p:cNvSpPr>
-            <a:spLocks noGrp="1"/>
-          </p:cNvSpPr>
-          <p:nvPr>
-            <p:ph sz="half" idx="2"/>
-          </p:nvPr>
-        </p:nvSpPr>
-        <p:spPr>
-          <a:xfrm>
-            <a:off x="2933700" y="3834606"/>
-            <a:ext cx="3924300" cy="1997867"/>
           </a:xfrm>
         </p:spPr>
         <p:txBody>
@@ -10066,20 +10065,118 @@
           <a:lstStyle/>
           <a:p>
             <a:r>
-              <a:rPr lang="en-US" dirty="0"/>
-              <a:t>Develop winning strategies to keep ahead of the competition</a:t>
-            </a:r>
-          </a:p>
-          <a:p>
-            <a:r>
-              <a:rPr lang="en-US" dirty="0"/>
-              <a:t>​Capitalize on low hanging fruit to identify a ballpark value</a:t>
-            </a:r>
-          </a:p>
-          <a:p>
-            <a:r>
-              <a:rPr lang="en-US" dirty="0"/>
-              <a:t>​Visualize customer directed convergence​</a:t>
+              <a:rPr lang="en-US" sz="4400" dirty="0"/>
+              <a:t>Layer 1</a:t>
+            </a:r>
+          </a:p>
+        </p:txBody>
+      </p:sp>
+      <p:sp>
+        <p:nvSpPr>
+          <p:cNvPr id="3" name="Text Placeholder 2">
+            <a:extLst>
+              <a:ext uri="{FF2B5EF4-FFF2-40B4-BE49-F238E27FC236}">
+                <a16:creationId xmlns:a16="http://schemas.microsoft.com/office/drawing/2014/main" id="{A45AD8B9-3719-4696-A80F-16A618C5D134}"/>
+              </a:ext>
+            </a:extLst>
+          </p:cNvPr>
+          <p:cNvSpPr>
+            <a:spLocks noGrp="1"/>
+          </p:cNvSpPr>
+          <p:nvPr>
+            <p:ph type="body" idx="1"/>
+          </p:nvPr>
+        </p:nvSpPr>
+        <p:spPr>
+          <a:xfrm>
+            <a:off x="1361217" y="3010694"/>
+            <a:ext cx="3924300" cy="823912"/>
+          </a:xfrm>
+        </p:spPr>
+        <p:txBody>
+          <a:bodyPr/>
+          <a:lstStyle/>
+          <a:p>
+            <a:r>
+              <a:rPr lang="en-US" sz="4000" dirty="0" err="1"/>
+              <a:t>Capa</a:t>
+            </a:r>
+            <a:r>
+              <a:rPr lang="en-US" sz="4000" dirty="0"/>
+              <a:t> 1</a:t>
+            </a:r>
+          </a:p>
+        </p:txBody>
+      </p:sp>
+      <p:sp>
+        <p:nvSpPr>
+          <p:cNvPr id="4" name="Content Placeholder 3">
+            <a:extLst>
+              <a:ext uri="{FF2B5EF4-FFF2-40B4-BE49-F238E27FC236}">
+                <a16:creationId xmlns:a16="http://schemas.microsoft.com/office/drawing/2014/main" id="{33D8731E-4977-402E-8BFD-895B4D0544CC}"/>
+              </a:ext>
+            </a:extLst>
+          </p:cNvPr>
+          <p:cNvSpPr>
+            <a:spLocks noGrp="1"/>
+          </p:cNvSpPr>
+          <p:nvPr>
+            <p:ph sz="half" idx="2"/>
+          </p:nvPr>
+        </p:nvSpPr>
+        <p:spPr>
+          <a:xfrm>
+            <a:off x="591944" y="3961507"/>
+            <a:ext cx="3924300" cy="1997867"/>
+          </a:xfrm>
+        </p:spPr>
+        <p:txBody>
+          <a:bodyPr>
+            <a:normAutofit fontScale="92500"/>
+          </a:bodyPr>
+          <a:lstStyle/>
+          <a:p>
+            <a:r>
+              <a:rPr lang="en-US" sz="3200" dirty="0" err="1"/>
+              <a:t>Cualquier</a:t>
+            </a:r>
+            <a:r>
+              <a:rPr lang="en-US" sz="3200" dirty="0"/>
+              <a:t> </a:t>
+            </a:r>
+            <a:r>
+              <a:rPr lang="en-US" sz="3200" dirty="0" err="1"/>
+              <a:t>cosa</a:t>
+            </a:r>
+            <a:r>
+              <a:rPr lang="en-US" sz="3200" dirty="0"/>
+              <a:t> </a:t>
+            </a:r>
+            <a:r>
+              <a:rPr lang="en-US" sz="3200" dirty="0" err="1"/>
+              <a:t>fisica</a:t>
+            </a:r>
+            <a:endParaRPr lang="en-US" sz="3200" dirty="0"/>
+          </a:p>
+          <a:p>
+            <a:r>
+              <a:rPr lang="en-US" sz="3200" dirty="0" err="1"/>
+              <a:t>Señales</a:t>
+            </a:r>
+            <a:r>
+              <a:rPr lang="en-US" sz="3200" dirty="0"/>
+              <a:t> </a:t>
+            </a:r>
+            <a:r>
+              <a:rPr lang="en-US" sz="3200" dirty="0" err="1"/>
+              <a:t>electricas</a:t>
+            </a:r>
+            <a:endParaRPr lang="en-US" sz="3200" dirty="0"/>
+          </a:p>
+          <a:p>
+            <a:r>
+              <a:rPr lang="en-US" sz="3200" dirty="0"/>
+              <a:t>ethernet</a:t>
             </a:r>
           </a:p>
         </p:txBody>
@@ -10110,10 +10207,7 @@
           <a:bodyPr/>
           <a:lstStyle/>
           <a:p>
-            <a:r>
-              <a:rPr lang="en-US" dirty="0"/>
-              <a:t>CLOUD-BASED OPPORTUNITIES</a:t>
-            </a:r>
+            <a:endParaRPr lang="en-US" dirty="0"/>
           </a:p>
         </p:txBody>
       </p:sp>
@@ -10141,20 +10235,11 @@
         </p:spPr>
         <p:txBody>
           <a:bodyPr>
-            <a:normAutofit/>
+            <a:normAutofit fontScale="92500"/>
           </a:bodyPr>
           <a:lstStyle/>
           <a:p>
-            <a:r>
-              <a:rPr lang="en-US" dirty="0"/>
-              <a:t>Iterative approaches to corporate strategy</a:t>
-            </a:r>
-          </a:p>
-          <a:p>
-            <a:r>
-              <a:rPr lang="en-US" dirty="0"/>
-              <a:t>​Establish a management framework from the inside​</a:t>
-            </a:r>
+            <a:endParaRPr lang="en-US" dirty="0"/>
           </a:p>
         </p:txBody>
       </p:sp>
@@ -10226,6 +10311,100 @@
           </a:p>
         </p:txBody>
       </p:sp>
+      <p:pic>
+        <p:nvPicPr>
+          <p:cNvPr id="2050" name="Picture 2" descr="What does an ethernet cable do?">
+            <a:extLst>
+              <a:ext uri="{FF2B5EF4-FFF2-40B4-BE49-F238E27FC236}">
+                <a16:creationId xmlns:a16="http://schemas.microsoft.com/office/drawing/2014/main" id="{50A1AF98-8BD5-42D4-40E9-77E9DD43408E}"/>
+              </a:ext>
+            </a:extLst>
+          </p:cNvPr>
+          <p:cNvPicPr>
+            <a:picLocks noChangeAspect="1" noChangeArrowheads="1"/>
+          </p:cNvPicPr>
+          <p:nvPr/>
+        </p:nvPicPr>
+        <p:blipFill>
+          <a:blip r:embed="rId2">
+            <a:extLst>
+              <a:ext uri="{28A0092B-C50C-407E-A947-70E740481C1C}">
+                <a14:useLocalDpi xmlns:a14="http://schemas.microsoft.com/office/drawing/2010/main" val="0"/>
+              </a:ext>
+            </a:extLst>
+          </a:blip>
+          <a:srcRect/>
+          <a:stretch>
+            <a:fillRect/>
+          </a:stretch>
+        </p:blipFill>
+        <p:spPr bwMode="auto">
+          <a:xfrm>
+            <a:off x="6703601" y="73622"/>
+            <a:ext cx="3924300" cy="3924300"/>
+          </a:xfrm>
+          <a:prstGeom prst="rect">
+            <a:avLst/>
+          </a:prstGeom>
+          <a:noFill/>
+          <a:extLst>
+            <a:ext uri="{909E8E84-426E-40DD-AFC4-6F175D3DCCD1}">
+              <a14:hiddenFill xmlns:a14="http://schemas.microsoft.com/office/drawing/2010/main">
+                <a:solidFill>
+                  <a:srgbClr val="FFFFFF"/>
+                </a:solidFill>
+              </a14:hiddenFill>
+            </a:ext>
+          </a:extLst>
+        </p:spPr>
+      </p:pic>
+      <p:pic>
+        <p:nvPicPr>
+          <p:cNvPr id="2052" name="Picture 4" descr="What Is an Ethernet Cable? What You Need to Know">
+            <a:extLst>
+              <a:ext uri="{FF2B5EF4-FFF2-40B4-BE49-F238E27FC236}">
+                <a16:creationId xmlns:a16="http://schemas.microsoft.com/office/drawing/2014/main" id="{12E7985D-902B-AFC8-D1B4-8265BC54DF5C}"/>
+              </a:ext>
+            </a:extLst>
+          </p:cNvPr>
+          <p:cNvPicPr>
+            <a:picLocks noChangeAspect="1" noChangeArrowheads="1"/>
+          </p:cNvPicPr>
+          <p:nvPr/>
+        </p:nvPicPr>
+        <p:blipFill>
+          <a:blip r:embed="rId3">
+            <a:extLst>
+              <a:ext uri="{28A0092B-C50C-407E-A947-70E740481C1C}">
+                <a14:useLocalDpi xmlns:a14="http://schemas.microsoft.com/office/drawing/2010/main" val="0"/>
+              </a:ext>
+            </a:extLst>
+          </a:blip>
+          <a:srcRect/>
+          <a:stretch>
+            <a:fillRect/>
+          </a:stretch>
+        </p:blipFill>
+        <p:spPr bwMode="auto">
+          <a:xfrm>
+            <a:off x="5044861" y="3730239"/>
+            <a:ext cx="5785922" cy="2892961"/>
+          </a:xfrm>
+          <a:prstGeom prst="rect">
+            <a:avLst/>
+          </a:prstGeom>
+          <a:noFill/>
+          <a:extLst>
+            <a:ext uri="{909E8E84-426E-40DD-AFC4-6F175D3DCCD1}">
+              <a14:hiddenFill xmlns:a14="http://schemas.microsoft.com/office/drawing/2010/main">
+                <a:solidFill>
+                  <a:srgbClr val="FFFFFF"/>
+                </a:solidFill>
+              </a14:hiddenFill>
+            </a:ext>
+          </a:extLst>
+        </p:spPr>
+      </p:pic>
     </p:spTree>
     <p:extLst>
       <p:ext uri="{BB962C8B-B14F-4D97-AF65-F5344CB8AC3E}">
@@ -10274,41 +10453,8 @@
         </p:nvSpPr>
         <p:spPr>
           <a:xfrm>
-            <a:off x="5476875" y="1671639"/>
+            <a:off x="6728834" y="1481178"/>
             <a:ext cx="5111750" cy="1204912"/>
-          </a:xfrm>
-        </p:spPr>
-        <p:txBody>
-          <a:bodyPr/>
-          <a:lstStyle/>
-          <a:p>
-            <a:r>
-              <a:rPr lang="en-US" dirty="0"/>
-              <a:t>Layer 2</a:t>
-            </a:r>
-          </a:p>
-        </p:txBody>
-      </p:sp>
-      <p:sp>
-        <p:nvSpPr>
-          <p:cNvPr id="3" name="Text Placeholder 2">
-            <a:extLst>
-              <a:ext uri="{FF2B5EF4-FFF2-40B4-BE49-F238E27FC236}">
-                <a16:creationId xmlns:a16="http://schemas.microsoft.com/office/drawing/2014/main" id="{FED19BCA-B61F-4EA6-A1FB-CCA3BD8506FB}"/>
-              </a:ext>
-            </a:extLst>
-          </p:cNvPr>
-          <p:cNvSpPr>
-            <a:spLocks noGrp="1"/>
-          </p:cNvSpPr>
-          <p:nvPr>
-            <p:ph type="body" idx="1"/>
-          </p:nvPr>
-        </p:nvSpPr>
-        <p:spPr>
-          <a:xfrm>
-            <a:off x="5476875" y="3660774"/>
-            <a:ext cx="5111750" cy="1525588"/>
           </a:xfrm>
         </p:spPr>
         <p:txBody>
@@ -10318,8 +10464,55 @@
           <a:lstStyle/>
           <a:p>
             <a:r>
-              <a:rPr lang="en-US" dirty="0"/>
-              <a:t>At Contoso, we believe in giving 110%. By using our next-generation data architecture, we help organizations virtually manage agile workflows. We thrive because of our market knowledge and great team behind our product. As our CEO says, "Efficiencies will come from proactively transforming how we do business."​</a:t>
+              <a:rPr lang="en-US" sz="6000" dirty="0"/>
+              <a:t>Layer 2</a:t>
+            </a:r>
+          </a:p>
+        </p:txBody>
+      </p:sp>
+      <p:sp>
+        <p:nvSpPr>
+          <p:cNvPr id="3" name="Text Placeholder 2">
+            <a:extLst>
+              <a:ext uri="{FF2B5EF4-FFF2-40B4-BE49-F238E27FC236}">
+                <a16:creationId xmlns:a16="http://schemas.microsoft.com/office/drawing/2014/main" id="{FED19BCA-B61F-4EA6-A1FB-CCA3BD8506FB}"/>
+              </a:ext>
+            </a:extLst>
+          </p:cNvPr>
+          <p:cNvSpPr>
+            <a:spLocks noGrp="1"/>
+          </p:cNvSpPr>
+          <p:nvPr>
+            <p:ph type="body" idx="1"/>
+          </p:nvPr>
+        </p:nvSpPr>
+        <p:spPr>
+          <a:xfrm>
+            <a:off x="6242050" y="3263358"/>
+            <a:ext cx="5111750" cy="1525588"/>
+          </a:xfrm>
+        </p:spPr>
+        <p:txBody>
+          <a:bodyPr>
+            <a:normAutofit fontScale="92500" lnSpcReduction="20000"/>
+          </a:bodyPr>
+          <a:lstStyle/>
+          <a:p>
+            <a:r>
+              <a:rPr lang="en-US" sz="3200" dirty="0"/>
+              <a:t>Switches/Hubs</a:t>
+            </a:r>
+          </a:p>
+          <a:p>
+            <a:r>
+              <a:rPr lang="en-US" sz="3200" dirty="0"/>
+              <a:t>Frames</a:t>
+            </a:r>
+          </a:p>
+          <a:p>
+            <a:r>
+              <a:rPr lang="en-US" sz="3200" dirty="0"/>
+              <a:t>Mac Address</a:t>
             </a:r>
           </a:p>
         </p:txBody>
@@ -10392,6 +10585,100 @@
           </a:p>
         </p:txBody>
       </p:sp>
+      <p:pic>
+        <p:nvPicPr>
+          <p:cNvPr id="3074" name="Picture 2" descr="Difference Between a Switch and a Hub - javatpoint">
+            <a:extLst>
+              <a:ext uri="{FF2B5EF4-FFF2-40B4-BE49-F238E27FC236}">
+                <a16:creationId xmlns:a16="http://schemas.microsoft.com/office/drawing/2014/main" id="{9F9E40BC-554D-89EA-74AD-0D9924DF81B1}"/>
+              </a:ext>
+            </a:extLst>
+          </p:cNvPr>
+          <p:cNvPicPr>
+            <a:picLocks noChangeAspect="1" noChangeArrowheads="1"/>
+          </p:cNvPicPr>
+          <p:nvPr/>
+        </p:nvPicPr>
+        <p:blipFill>
+          <a:blip r:embed="rId2">
+            <a:extLst>
+              <a:ext uri="{28A0092B-C50C-407E-A947-70E740481C1C}">
+                <a14:useLocalDpi xmlns:a14="http://schemas.microsoft.com/office/drawing/2010/main" val="0"/>
+              </a:ext>
+            </a:extLst>
+          </a:blip>
+          <a:srcRect/>
+          <a:stretch>
+            <a:fillRect/>
+          </a:stretch>
+        </p:blipFill>
+        <p:spPr bwMode="auto">
+          <a:xfrm>
+            <a:off x="138460" y="268792"/>
+            <a:ext cx="5715000" cy="2952750"/>
+          </a:xfrm>
+          <a:prstGeom prst="rect">
+            <a:avLst/>
+          </a:prstGeom>
+          <a:noFill/>
+          <a:extLst>
+            <a:ext uri="{909E8E84-426E-40DD-AFC4-6F175D3DCCD1}">
+              <a14:hiddenFill xmlns:a14="http://schemas.microsoft.com/office/drawing/2010/main">
+                <a:solidFill>
+                  <a:srgbClr val="FFFFFF"/>
+                </a:solidFill>
+              </a14:hiddenFill>
+            </a:ext>
+          </a:extLst>
+        </p:spPr>
+      </p:pic>
+      <p:pic>
+        <p:nvPicPr>
+          <p:cNvPr id="3078" name="Picture 6" descr="What is a MAC Address? How to Find My MAC Address">
+            <a:extLst>
+              <a:ext uri="{FF2B5EF4-FFF2-40B4-BE49-F238E27FC236}">
+                <a16:creationId xmlns:a16="http://schemas.microsoft.com/office/drawing/2014/main" id="{EBB93F59-B7E9-6A21-6716-2FEDAC64B983}"/>
+              </a:ext>
+            </a:extLst>
+          </p:cNvPr>
+          <p:cNvPicPr>
+            <a:picLocks noChangeAspect="1" noChangeArrowheads="1"/>
+          </p:cNvPicPr>
+          <p:nvPr/>
+        </p:nvPicPr>
+        <p:blipFill>
+          <a:blip r:embed="rId3">
+            <a:extLst>
+              <a:ext uri="{28A0092B-C50C-407E-A947-70E740481C1C}">
+                <a14:useLocalDpi xmlns:a14="http://schemas.microsoft.com/office/drawing/2010/main" val="0"/>
+              </a:ext>
+            </a:extLst>
+          </a:blip>
+          <a:srcRect/>
+          <a:stretch>
+            <a:fillRect/>
+          </a:stretch>
+        </p:blipFill>
+        <p:spPr bwMode="auto">
+          <a:xfrm>
+            <a:off x="530611" y="3541940"/>
+            <a:ext cx="5111750" cy="2875359"/>
+          </a:xfrm>
+          <a:prstGeom prst="rect">
+            <a:avLst/>
+          </a:prstGeom>
+          <a:noFill/>
+          <a:extLst>
+            <a:ext uri="{909E8E84-426E-40DD-AFC4-6F175D3DCCD1}">
+              <a14:hiddenFill xmlns:a14="http://schemas.microsoft.com/office/drawing/2010/main">
+                <a:solidFill>
+                  <a:srgbClr val="FFFFFF"/>
+                </a:solidFill>
+              </a14:hiddenFill>
+            </a:ext>
+          </a:extLst>
+        </p:spPr>
+      </p:pic>
     </p:spTree>
     <p:extLst>
       <p:ext uri="{BB962C8B-B14F-4D97-AF65-F5344CB8AC3E}">
@@ -10440,8 +10727,8 @@
         </p:nvSpPr>
         <p:spPr>
           <a:xfrm>
-            <a:off x="4267200" y="1615736"/>
-            <a:ext cx="4179570" cy="1524735"/>
+            <a:off x="2300151" y="200722"/>
+            <a:ext cx="4179570" cy="1122100"/>
           </a:xfrm>
         </p:spPr>
         <p:txBody>
@@ -10449,7 +10736,7 @@
           <a:lstStyle/>
           <a:p>
             <a:r>
-              <a:rPr lang="en-US" dirty="0"/>
+              <a:rPr lang="en-US" sz="7200" dirty="0"/>
               <a:t>Layer 3</a:t>
             </a:r>
           </a:p>
@@ -10473,8 +10760,8 @@
         </p:nvSpPr>
         <p:spPr>
           <a:xfrm>
-            <a:off x="4267200" y="3238103"/>
-            <a:ext cx="4179570" cy="1371997"/>
+            <a:off x="3434443" y="1565420"/>
+            <a:ext cx="2661557" cy="1980668"/>
           </a:xfrm>
         </p:spPr>
         <p:txBody>
@@ -10484,20 +10771,20 @@
           <a:lstStyle/>
           <a:p>
             <a:r>
-              <a:rPr lang="en-US" dirty="0"/>
-              <a:t>Mirjam Nilsson</a:t>
-            </a:r>
-          </a:p>
-          <a:p>
-            <a:r>
-              <a:rPr lang="en-US" dirty="0"/>
-              <a:t>mirjam@contoso.com</a:t>
-            </a:r>
-          </a:p>
-          <a:p>
-            <a:r>
-              <a:rPr lang="en-US" dirty="0"/>
-              <a:t>www.contoso.com</a:t>
+              <a:rPr lang="en-US" sz="2400" dirty="0"/>
+              <a:t>ROUTERS</a:t>
+            </a:r>
+          </a:p>
+          <a:p>
+            <a:r>
+              <a:rPr lang="en-US" sz="2400" dirty="0"/>
+              <a:t>IP ADDRESS</a:t>
+            </a:r>
+          </a:p>
+          <a:p>
+            <a:r>
+              <a:rPr lang="en-US" sz="2400" dirty="0"/>
+              <a:t>PACKETS</a:t>
             </a:r>
           </a:p>
         </p:txBody>
@@ -10570,6 +10857,147 @@
           </a:p>
         </p:txBody>
       </p:sp>
+      <p:pic>
+        <p:nvPicPr>
+          <p:cNvPr id="4100" name="Picture 4" descr="Routers Cisco Small Business de la serie RV - Cisco">
+            <a:extLst>
+              <a:ext uri="{FF2B5EF4-FFF2-40B4-BE49-F238E27FC236}">
+                <a16:creationId xmlns:a16="http://schemas.microsoft.com/office/drawing/2014/main" id="{D1B288F2-9270-3E76-1D76-A530DBB1B9E9}"/>
+              </a:ext>
+            </a:extLst>
+          </p:cNvPr>
+          <p:cNvPicPr>
+            <a:picLocks noChangeAspect="1" noChangeArrowheads="1"/>
+          </p:cNvPicPr>
+          <p:nvPr/>
+        </p:nvPicPr>
+        <p:blipFill>
+          <a:blip r:embed="rId2">
+            <a:extLst>
+              <a:ext uri="{28A0092B-C50C-407E-A947-70E740481C1C}">
+                <a14:useLocalDpi xmlns:a14="http://schemas.microsoft.com/office/drawing/2010/main" val="0"/>
+              </a:ext>
+            </a:extLst>
+          </a:blip>
+          <a:srcRect/>
+          <a:stretch>
+            <a:fillRect/>
+          </a:stretch>
+        </p:blipFill>
+        <p:spPr bwMode="auto">
+          <a:xfrm>
+            <a:off x="6612672" y="4202392"/>
+            <a:ext cx="5399001" cy="1946227"/>
+          </a:xfrm>
+          <a:prstGeom prst="rect">
+            <a:avLst/>
+          </a:prstGeom>
+          <a:noFill/>
+          <a:extLst>
+            <a:ext uri="{909E8E84-426E-40DD-AFC4-6F175D3DCCD1}">
+              <a14:hiddenFill xmlns:a14="http://schemas.microsoft.com/office/drawing/2010/main">
+                <a:solidFill>
+                  <a:srgbClr val="FFFFFF"/>
+                </a:solidFill>
+              </a14:hiddenFill>
+            </a:ext>
+          </a:extLst>
+        </p:spPr>
+      </p:pic>
+      <p:pic>
+        <p:nvPicPr>
+          <p:cNvPr id="4102" name="Picture 6" descr="IP Address Definition: How It Works and Examples">
+            <a:extLst>
+              <a:ext uri="{FF2B5EF4-FFF2-40B4-BE49-F238E27FC236}">
+                <a16:creationId xmlns:a16="http://schemas.microsoft.com/office/drawing/2014/main" id="{D77502EC-B47F-F4C2-7C3A-1865DE72734F}"/>
+              </a:ext>
+            </a:extLst>
+          </p:cNvPr>
+          <p:cNvPicPr>
+            <a:picLocks noChangeAspect="1" noChangeArrowheads="1"/>
+          </p:cNvPicPr>
+          <p:nvPr/>
+        </p:nvPicPr>
+        <p:blipFill>
+          <a:blip r:embed="rId3">
+            <a:extLst>
+              <a:ext uri="{28A0092B-C50C-407E-A947-70E740481C1C}">
+                <a14:useLocalDpi xmlns:a14="http://schemas.microsoft.com/office/drawing/2010/main" val="0"/>
+              </a:ext>
+            </a:extLst>
+          </a:blip>
+          <a:srcRect/>
+          <a:stretch>
+            <a:fillRect/>
+          </a:stretch>
+        </p:blipFill>
+        <p:spPr bwMode="auto">
+          <a:xfrm>
+            <a:off x="6737594" y="501649"/>
+            <a:ext cx="4616205" cy="3086042"/>
+          </a:xfrm>
+          <a:prstGeom prst="rect">
+            <a:avLst/>
+          </a:prstGeom>
+          <a:noFill/>
+          <a:extLst>
+            <a:ext uri="{909E8E84-426E-40DD-AFC4-6F175D3DCCD1}">
+              <a14:hiddenFill xmlns:a14="http://schemas.microsoft.com/office/drawing/2010/main">
+                <a:solidFill>
+                  <a:srgbClr val="FFFFFF"/>
+                </a:solidFill>
+              </a14:hiddenFill>
+            </a:ext>
+          </a:extLst>
+        </p:spPr>
+      </p:pic>
+      <p:pic>
+        <p:nvPicPr>
+          <p:cNvPr id="4104" name="Picture 8" descr="What is Router - Computer Network">
+            <a:extLst>
+              <a:ext uri="{FF2B5EF4-FFF2-40B4-BE49-F238E27FC236}">
+                <a16:creationId xmlns:a16="http://schemas.microsoft.com/office/drawing/2014/main" id="{B508627E-13AB-B76E-F752-E23645DF6B03}"/>
+              </a:ext>
+            </a:extLst>
+          </p:cNvPr>
+          <p:cNvPicPr>
+            <a:picLocks noChangeAspect="1" noChangeArrowheads="1"/>
+          </p:cNvPicPr>
+          <p:nvPr/>
+        </p:nvPicPr>
+        <p:blipFill>
+          <a:blip r:embed="rId4">
+            <a:extLst>
+              <a:ext uri="{28A0092B-C50C-407E-A947-70E740481C1C}">
+                <a14:useLocalDpi xmlns:a14="http://schemas.microsoft.com/office/drawing/2010/main" val="0"/>
+              </a:ext>
+            </a:extLst>
+          </a:blip>
+          <a:srcRect/>
+          <a:stretch>
+            <a:fillRect/>
+          </a:stretch>
+        </p:blipFill>
+        <p:spPr bwMode="auto">
+          <a:xfrm>
+            <a:off x="227206" y="3168547"/>
+            <a:ext cx="5868794" cy="3370365"/>
+          </a:xfrm>
+          <a:prstGeom prst="rect">
+            <a:avLst/>
+          </a:prstGeom>
+          <a:noFill/>
+          <a:extLst>
+            <a:ext uri="{909E8E84-426E-40DD-AFC4-6F175D3DCCD1}">
+              <a14:hiddenFill xmlns:a14="http://schemas.microsoft.com/office/drawing/2010/main">
+                <a:solidFill>
+                  <a:srgbClr val="FFFFFF"/>
+                </a:solidFill>
+              </a14:hiddenFill>
+            </a:ext>
+          </a:extLst>
+        </p:spPr>
+      </p:pic>
     </p:spTree>
     <p:extLst>
       <p:ext uri="{BB962C8B-B14F-4D97-AF65-F5344CB8AC3E}">
@@ -11386,60 +11814,26 @@
 <file path=customXml/item2.xml><?xml version="1.0" encoding="utf-8"?>
 <p:properties xmlns:p="http://schemas.microsoft.com/office/2006/metadata/properties" xmlns:xsi="http://www.w3.org/2001/XMLSchema-instance" xmlns:pc="http://schemas.microsoft.com/office/infopath/2007/PartnerControls">
   <documentManagement>
-    <_ip_UnifiedCompliancePolicyUIAction xmlns="http://schemas.microsoft.com/sharepoint/v3" xsi:nil="true"/>
-    <Image xmlns="71af3243-3dd4-4a8d-8c0d-dd76da1f02a5">
-      <Url xsi:nil="true"/>
-      <Description xsi:nil="true"/>
-    </Image>
-    <Status xmlns="71af3243-3dd4-4a8d-8c0d-dd76da1f02a5">Not started</Status>
-    <_ip_UnifiedCompliancePolicyProperties xmlns="http://schemas.microsoft.com/sharepoint/v3" xsi:nil="true"/>
-    <ImageTagsTaxHTField xmlns="71af3243-3dd4-4a8d-8c0d-dd76da1f02a5">
-      <Terms xmlns="http://schemas.microsoft.com/office/infopath/2007/PartnerControls"/>
-    </ImageTagsTaxHTField>
-    <TaxCatchAll xmlns="230e9df3-be65-4c73-a93b-d1236ebd677e" xsi:nil="true"/>
-    <MediaServiceKeyPoints xmlns="71af3243-3dd4-4a8d-8c0d-dd76da1f02a5" xsi:nil="true"/>
-    <Background xmlns="71af3243-3dd4-4a8d-8c0d-dd76da1f02a5">false</Background>
+    <_activity xmlns="ff055f09-ed7e-4055-a970-513b68afd9b6" xsi:nil="true"/>
   </documentManagement>
 </p:properties>
 </file>
 
 <file path=customXml/item3.xml><?xml version="1.0" encoding="utf-8"?>
-<ct:contentTypeSchema xmlns:ct="http://schemas.microsoft.com/office/2006/metadata/contentType" xmlns:ma="http://schemas.microsoft.com/office/2006/metadata/properties/metaAttributes" ct:_="" ma:_="" ma:contentTypeName="Document" ma:contentTypeID="0x01010079F111ED35F8CC479449609E8A0923A6" ma:contentTypeVersion="28" ma:contentTypeDescription="Create a new document." ma:contentTypeScope="" ma:versionID="60f5a4f2d2b0abadcf532d48ebf9cb71">
-  <xsd:schema xmlns:xsd="http://www.w3.org/2001/XMLSchema" xmlns:xs="http://www.w3.org/2001/XMLSchema" xmlns:p="http://schemas.microsoft.com/office/2006/metadata/properties" xmlns:ns1="http://schemas.microsoft.com/sharepoint/v3" xmlns:ns2="71af3243-3dd4-4a8d-8c0d-dd76da1f02a5" xmlns:ns3="16c05727-aa75-4e4a-9b5f-8a80a1165891" xmlns:ns4="230e9df3-be65-4c73-a93b-d1236ebd677e" targetNamespace="http://schemas.microsoft.com/office/2006/metadata/properties" ma:root="true" ma:fieldsID="7dd78129e6a1811f84807ad11c651531" ns1:_="" ns2:_="" ns3:_="" ns4:_="">
-    <xsd:import namespace="http://schemas.microsoft.com/sharepoint/v3"/>
-    <xsd:import namespace="71af3243-3dd4-4a8d-8c0d-dd76da1f02a5"/>
-    <xsd:import namespace="16c05727-aa75-4e4a-9b5f-8a80a1165891"/>
-    <xsd:import namespace="230e9df3-be65-4c73-a93b-d1236ebd677e"/>
+<ct:contentTypeSchema xmlns:ct="http://schemas.microsoft.com/office/2006/metadata/contentType" xmlns:ma="http://schemas.microsoft.com/office/2006/metadata/properties/metaAttributes" ct:_="" ma:_="" ma:contentTypeName="Document" ma:contentTypeID="0x010100B0513FBB0BB64641AE0FAA172719C487" ma:contentTypeVersion="5" ma:contentTypeDescription="Create a new document." ma:contentTypeScope="" ma:versionID="f987ed2a6cc855f8bc41ea4f7ebae43a">
+  <xsd:schema xmlns:xsd="http://www.w3.org/2001/XMLSchema" xmlns:xs="http://www.w3.org/2001/XMLSchema" xmlns:p="http://schemas.microsoft.com/office/2006/metadata/properties" xmlns:ns3="ff055f09-ed7e-4055-a970-513b68afd9b6" targetNamespace="http://schemas.microsoft.com/office/2006/metadata/properties" ma:root="true" ma:fieldsID="4ba39c9759d5c4ebbbf592e820401a07" ns3:_="">
+    <xsd:import namespace="ff055f09-ed7e-4055-a970-513b68afd9b6"/>
     <xsd:element name="properties">
       <xsd:complexType>
         <xsd:sequence>
           <xsd:element name="documentManagement">
             <xsd:complexType>
               <xsd:all>
-                <xsd:element ref="ns2:Status" minOccurs="0"/>
-                <xsd:element ref="ns2:Image" minOccurs="0"/>
-                <xsd:element ref="ns2:MediaServiceMetadata" minOccurs="0"/>
-                <xsd:element ref="ns2:MediaServiceFastMetadata" minOccurs="0"/>
-                <xsd:element ref="ns2:MediaServiceOCR" minOccurs="0"/>
-                <xsd:element ref="ns2:MediaServiceAutoTags" minOccurs="0"/>
-                <xsd:element ref="ns2:MediaServiceEventHashCode" minOccurs="0"/>
-                <xsd:element ref="ns2:MediaServiceGenerationTime" minOccurs="0"/>
-                <xsd:element ref="ns3:SharedWithUsers" minOccurs="0"/>
-                <xsd:element ref="ns3:SharedWithDetails" minOccurs="0"/>
-                <xsd:element ref="ns2:MediaServiceAutoKeyPoints" minOccurs="0"/>
-                <xsd:element ref="ns2:MediaServiceKeyPoints" minOccurs="0"/>
-                <xsd:element ref="ns2:MediaServiceDateTaken" minOccurs="0"/>
-                <xsd:element ref="ns1:_ip_UnifiedCompliancePolicyProperties" minOccurs="0"/>
-                <xsd:element ref="ns1:_ip_UnifiedCompliancePolicyUIAction" minOccurs="0"/>
-                <xsd:element ref="ns4:TaxCatchAll" minOccurs="0"/>
-                <xsd:element ref="ns2:ImageTagsTaxHTField" minOccurs="0"/>
-                <xsd:element ref="ns2:MediaServiceLocation" minOccurs="0"/>
-                <xsd:element ref="ns2:MediaLengthInSeconds" minOccurs="0"/>
-                <xsd:element ref="ns2:Background" minOccurs="0"/>
-                <xsd:element ref="ns2:MediaServiceSearchProperties" minOccurs="0"/>
-                <xsd:element ref="ns2:MediaServiceDocTags" minOccurs="0"/>
-                <xsd:element ref="ns2:MediaServiceObjectDetectorVersions" minOccurs="0"/>
-                <xsd:element ref="ns2:MediaServiceSystemTags" minOccurs="0"/>
+                <xsd:element ref="ns3:MediaServiceMetadata" minOccurs="0"/>
+                <xsd:element ref="ns3:MediaServiceFastMetadata" minOccurs="0"/>
+                <xsd:element ref="ns3:MediaServiceObjectDetectorVersions" minOccurs="0"/>
+                <xsd:element ref="ns3:MediaServiceSearchProperties" minOccurs="0"/>
+                <xsd:element ref="ns3:_activity" minOccurs="0"/>
               </xsd:all>
             </xsd:complexType>
           </xsd:element>
@@ -11447,44 +11841,9 @@
       </xsd:complexType>
     </xsd:element>
   </xsd:schema>
-  <xsd:schema xmlns:xsd="http://www.w3.org/2001/XMLSchema" xmlns:xs="http://www.w3.org/2001/XMLSchema" xmlns:dms="http://schemas.microsoft.com/office/2006/documentManagement/types" xmlns:pc="http://schemas.microsoft.com/office/infopath/2007/PartnerControls" targetNamespace="http://schemas.microsoft.com/sharepoint/v3" elementFormDefault="qualified">
+  <xsd:schema xmlns:xsd="http://www.w3.org/2001/XMLSchema" xmlns:xs="http://www.w3.org/2001/XMLSchema" xmlns:dms="http://schemas.microsoft.com/office/2006/documentManagement/types" xmlns:pc="http://schemas.microsoft.com/office/infopath/2007/PartnerControls" targetNamespace="ff055f09-ed7e-4055-a970-513b68afd9b6" elementFormDefault="qualified">
     <xsd:import namespace="http://schemas.microsoft.com/office/2006/documentManagement/types"/>
     <xsd:import namespace="http://schemas.microsoft.com/office/infopath/2007/PartnerControls"/>
-    <xsd:element name="_ip_UnifiedCompliancePolicyProperties" ma:index="20" nillable="true" ma:displayName="Unified Compliance Policy Properties" ma:hidden="true" ma:internalName="_ip_UnifiedCompliancePolicyProperties" ma:readOnly="false">
-      <xsd:simpleType>
-        <xsd:restriction base="dms:Note"/>
-      </xsd:simpleType>
-    </xsd:element>
-    <xsd:element name="_ip_UnifiedCompliancePolicyUIAction" ma:index="21" nillable="true" ma:displayName="Unified Compliance Policy UI Action" ma:hidden="true" ma:internalName="_ip_UnifiedCompliancePolicyUIAction" ma:readOnly="false">
-      <xsd:simpleType>
-        <xsd:restriction base="dms:Text"/>
-      </xsd:simpleType>
-    </xsd:element>
-  </xsd:schema>
-  <xsd:schema xmlns:xsd="http://www.w3.org/2001/XMLSchema" xmlns:xs="http://www.w3.org/2001/XMLSchema" xmlns:dms="http://schemas.microsoft.com/office/2006/documentManagement/types" xmlns:pc="http://schemas.microsoft.com/office/infopath/2007/PartnerControls" targetNamespace="71af3243-3dd4-4a8d-8c0d-dd76da1f02a5" elementFormDefault="qualified">
-    <xsd:import namespace="http://schemas.microsoft.com/office/2006/documentManagement/types"/>
-    <xsd:import namespace="http://schemas.microsoft.com/office/infopath/2007/PartnerControls"/>
-    <xsd:element name="Status" ma:index="2" nillable="true" ma:displayName="Status" ma:default="Not started" ma:format="Dropdown" ma:internalName="Status" ma:readOnly="false">
-      <xsd:simpleType>
-        <xsd:restriction base="dms:Choice">
-          <xsd:enumeration value="Not started"/>
-          <xsd:enumeration value="In Progress"/>
-          <xsd:enumeration value="Completed"/>
-        </xsd:restriction>
-      </xsd:simpleType>
-    </xsd:element>
-    <xsd:element name="Image" ma:index="3" nillable="true" ma:displayName="Image" ma:format="Image" ma:internalName="Image" ma:readOnly="false">
-      <xsd:complexType>
-        <xsd:complexContent>
-          <xsd:extension base="dms:URL">
-            <xsd:sequence>
-              <xsd:element name="Url" type="dms:ValidUrl" minOccurs="0" nillable="true"/>
-              <xsd:element name="Description" type="xsd:string" nillable="true"/>
-            </xsd:sequence>
-          </xsd:extension>
-        </xsd:complexContent>
-      </xsd:complexType>
-    </xsd:element>
     <xsd:element name="MediaServiceMetadata" ma:index="8" nillable="true" ma:displayName="MediaServiceMetadata" ma:hidden="true" ma:internalName="MediaServiceMetadata" ma:readOnly="true">
       <xsd:simpleType>
         <xsd:restriction base="dms:Note"/>
@@ -11495,125 +11854,20 @@
         <xsd:restriction base="dms:Note"/>
       </xsd:simpleType>
     </xsd:element>
-    <xsd:element name="MediaServiceOCR" ma:index="10" nillable="true" ma:displayName="MediaServiceOCR" ma:hidden="true" ma:internalName="MediaServiceOCR" ma:readOnly="true">
+    <xsd:element name="MediaServiceObjectDetectorVersions" ma:index="10" nillable="true" ma:displayName="MediaServiceObjectDetectorVersions" ma:hidden="true" ma:indexed="true" ma:internalName="MediaServiceObjectDetectorVersions" ma:readOnly="true">
+      <xsd:simpleType>
+        <xsd:restriction base="dms:Text"/>
+      </xsd:simpleType>
+    </xsd:element>
+    <xsd:element name="MediaServiceSearchProperties" ma:index="11" nillable="true" ma:displayName="MediaServiceSearchProperties" ma:hidden="true" ma:internalName="MediaServiceSearchProperties" ma:readOnly="true">
       <xsd:simpleType>
         <xsd:restriction base="dms:Note"/>
       </xsd:simpleType>
     </xsd:element>
-    <xsd:element name="MediaServiceAutoTags" ma:index="11" nillable="true" ma:displayName="MediaServiceAutoTags" ma:hidden="true" ma:internalName="MediaServiceAutoTags" ma:readOnly="true">
-      <xsd:simpleType>
-        <xsd:restriction base="dms:Text"/>
-      </xsd:simpleType>
-    </xsd:element>
-    <xsd:element name="MediaServiceEventHashCode" ma:index="12" nillable="true" ma:displayName="MediaServiceEventHashCode" ma:hidden="true" ma:internalName="MediaServiceEventHashCode" ma:readOnly="true">
-      <xsd:simpleType>
-        <xsd:restriction base="dms:Text"/>
-      </xsd:simpleType>
-    </xsd:element>
-    <xsd:element name="MediaServiceGenerationTime" ma:index="13" nillable="true" ma:displayName="MediaServiceGenerationTime" ma:hidden="true" ma:internalName="MediaServiceGenerationTime" ma:readOnly="true">
-      <xsd:simpleType>
-        <xsd:restriction base="dms:Text"/>
-      </xsd:simpleType>
-    </xsd:element>
-    <xsd:element name="MediaServiceAutoKeyPoints" ma:index="16" nillable="true" ma:displayName="MediaServiceAutoKeyPoints" ma:hidden="true" ma:internalName="MediaServiceAutoKeyPoints" ma:readOnly="true">
+    <xsd:element name="_activity" ma:index="12" nillable="true" ma:displayName="_activity" ma:hidden="true" ma:internalName="_activity">
       <xsd:simpleType>
         <xsd:restriction base="dms:Note"/>
       </xsd:simpleType>
-    </xsd:element>
-    <xsd:element name="MediaServiceKeyPoints" ma:index="17" nillable="true" ma:displayName="KeyPoints" ma:hidden="true" ma:internalName="MediaServiceKeyPoints" ma:readOnly="false">
-      <xsd:simpleType>
-        <xsd:restriction base="dms:Note"/>
-      </xsd:simpleType>
-    </xsd:element>
-    <xsd:element name="MediaServiceDateTaken" ma:index="18" nillable="true" ma:displayName="MediaServiceDateTaken" ma:hidden="true" ma:internalName="MediaServiceDateTaken" ma:readOnly="true">
-      <xsd:simpleType>
-        <xsd:restriction base="dms:Text"/>
-      </xsd:simpleType>
-    </xsd:element>
-    <xsd:element name="ImageTagsTaxHTField" ma:index="25" nillable="true" ma:taxonomy="true" ma:internalName="ImageTagsTaxHTField" ma:taxonomyFieldName="MediaServiceImageTags" ma:displayName="Image Tags" ma:readOnly="false" ma:fieldId="{5cf76f15-5ced-4ddc-b409-7134ff3c332f}" ma:taxonomyMulti="true" ma:sspId="e385fb40-52d4-4fae-9c5b-3e8ff8a5878e" ma:termSetId="09814cd3-568e-fe90-9814-8d621ff8fb84" ma:anchorId="fba54fb3-c3e1-fe81-a776-ca4b69148c4d" ma:open="true" ma:isKeyword="false">
-      <xsd:complexType>
-        <xsd:sequence>
-          <xsd:element ref="pc:Terms" minOccurs="0" maxOccurs="1"/>
-        </xsd:sequence>
-      </xsd:complexType>
-    </xsd:element>
-    <xsd:element name="MediaServiceLocation" ma:index="26" nillable="true" ma:displayName="Location" ma:hidden="true" ma:internalName="MediaServiceLocation" ma:readOnly="true">
-      <xsd:simpleType>
-        <xsd:restriction base="dms:Text"/>
-      </xsd:simpleType>
-    </xsd:element>
-    <xsd:element name="MediaLengthInSeconds" ma:index="27" nillable="true" ma:displayName="MediaLengthInSeconds" ma:hidden="true" ma:internalName="MediaLengthInSeconds" ma:readOnly="true">
-      <xsd:simpleType>
-        <xsd:restriction base="dms:Unknown"/>
-      </xsd:simpleType>
-    </xsd:element>
-    <xsd:element name="Background" ma:index="28" nillable="true" ma:displayName="Background" ma:default="0" ma:format="Dropdown" ma:internalName="Background">
-      <xsd:simpleType>
-        <xsd:restriction base="dms:Boolean"/>
-      </xsd:simpleType>
-    </xsd:element>
-    <xsd:element name="MediaServiceSearchProperties" ma:index="29" nillable="true" ma:displayName="MediaServiceSearchProperties" ma:hidden="true" ma:internalName="MediaServiceSearchProperties" ma:readOnly="true">
-      <xsd:simpleType>
-        <xsd:restriction base="dms:Note"/>
-      </xsd:simpleType>
-    </xsd:element>
-    <xsd:element name="MediaServiceDocTags" ma:index="30" nillable="true" ma:displayName="MediaServiceDocTags" ma:hidden="true" ma:internalName="MediaServiceDocTags" ma:readOnly="true">
-      <xsd:simpleType>
-        <xsd:restriction base="dms:Note"/>
-      </xsd:simpleType>
-    </xsd:element>
-    <xsd:element name="MediaServiceObjectDetectorVersions" ma:index="31" nillable="true" ma:displayName="MediaServiceObjectDetectorVersions" ma:description="" ma:hidden="true" ma:indexed="true" ma:internalName="MediaServiceObjectDetectorVersions" ma:readOnly="true">
-      <xsd:simpleType>
-        <xsd:restriction base="dms:Text"/>
-      </xsd:simpleType>
-    </xsd:element>
-    <xsd:element name="MediaServiceSystemTags" ma:index="32" nillable="true" ma:displayName="MediaServiceSystemTags" ma:hidden="true" ma:internalName="MediaServiceSystemTags" ma:readOnly="true">
-      <xsd:simpleType>
-        <xsd:restriction base="dms:Note"/>
-      </xsd:simpleType>
-    </xsd:element>
-  </xsd:schema>
-  <xsd:schema xmlns:xsd="http://www.w3.org/2001/XMLSchema" xmlns:xs="http://www.w3.org/2001/XMLSchema" xmlns:dms="http://schemas.microsoft.com/office/2006/documentManagement/types" xmlns:pc="http://schemas.microsoft.com/office/infopath/2007/PartnerControls" targetNamespace="16c05727-aa75-4e4a-9b5f-8a80a1165891" elementFormDefault="qualified">
-    <xsd:import namespace="http://schemas.microsoft.com/office/2006/documentManagement/types"/>
-    <xsd:import namespace="http://schemas.microsoft.com/office/infopath/2007/PartnerControls"/>
-    <xsd:element name="SharedWithUsers" ma:index="14" nillable="true" ma:displayName="Shared With" ma:hidden="true" ma:internalName="SharedWithUsers" ma:readOnly="true">
-      <xsd:complexType>
-        <xsd:complexContent>
-          <xsd:extension base="dms:UserMulti">
-            <xsd:sequence>
-              <xsd:element name="UserInfo" minOccurs="0" maxOccurs="unbounded">
-                <xsd:complexType>
-                  <xsd:sequence>
-                    <xsd:element name="DisplayName" type="xsd:string" minOccurs="0"/>
-                    <xsd:element name="AccountId" type="dms:UserId" minOccurs="0" nillable="true"/>
-                    <xsd:element name="AccountType" type="xsd:string" minOccurs="0"/>
-                  </xsd:sequence>
-                </xsd:complexType>
-              </xsd:element>
-            </xsd:sequence>
-          </xsd:extension>
-        </xsd:complexContent>
-      </xsd:complexType>
-    </xsd:element>
-    <xsd:element name="SharedWithDetails" ma:index="15" nillable="true" ma:displayName="Shared With Details" ma:hidden="true" ma:internalName="SharedWithDetails" ma:readOnly="true">
-      <xsd:simpleType>
-        <xsd:restriction base="dms:Note"/>
-      </xsd:simpleType>
-    </xsd:element>
-  </xsd:schema>
-  <xsd:schema xmlns:xsd="http://www.w3.org/2001/XMLSchema" xmlns:xs="http://www.w3.org/2001/XMLSchema" xmlns:dms="http://schemas.microsoft.com/office/2006/documentManagement/types" xmlns:pc="http://schemas.microsoft.com/office/infopath/2007/PartnerControls" targetNamespace="230e9df3-be65-4c73-a93b-d1236ebd677e" elementFormDefault="qualified">
-    <xsd:import namespace="http://schemas.microsoft.com/office/2006/documentManagement/types"/>
-    <xsd:import namespace="http://schemas.microsoft.com/office/infopath/2007/PartnerControls"/>
-    <xsd:element name="TaxCatchAll" ma:index="23" nillable="true" ma:displayName="Taxonomy Catch All Column" ma:hidden="true" ma:list="{3f6bfcbc-3db3-4ae6-bd76-326f0798ad28}" ma:internalName="TaxCatchAll" ma:readOnly="false" ma:showField="CatchAllData" ma:web="16c05727-aa75-4e4a-9b5f-8a80a1165891">
-      <xsd:complexType>
-        <xsd:complexContent>
-          <xsd:extension base="dms:MultiChoiceLookup">
-            <xsd:sequence>
-              <xsd:element name="Value" type="dms:Lookup" maxOccurs="unbounded" minOccurs="0" nillable="true"/>
-            </xsd:sequence>
-          </xsd:extension>
-        </xsd:complexContent>
-      </xsd:complexType>
     </xsd:element>
   </xsd:schema>
   <xsd:schema xmlns="http://schemas.openxmlformats.org/package/2006/metadata/core-properties" xmlns:xsd="http://www.w3.org/2001/XMLSchema" xmlns:xsi="http://www.w3.org/2001/XMLSchema-instance" xmlns:dc="http://purl.org/dc/elements/1.1/" xmlns:dcterms="http://purl.org/dc/terms/" xmlns:odoc="http://schemas.microsoft.com/internal/obd" targetNamespace="http://schemas.openxmlformats.org/package/2006/metadata/core-properties" elementFormDefault="qualified" attributeFormDefault="unqualified" blockDefault="#all">
@@ -11625,8 +11879,8 @@
         <xsd:element ref="dc:creator" minOccurs="0" maxOccurs="1"/>
         <xsd:element ref="dcterms:created" minOccurs="0" maxOccurs="1"/>
         <xsd:element ref="dc:identifier" minOccurs="0" maxOccurs="1"/>
-        <xsd:element name="contentType" minOccurs="0" maxOccurs="1" type="xsd:string" ma:displayName="Content Type"/>
-        <xsd:element ref="dc:title" minOccurs="0" maxOccurs="1" ma:index="1" ma:displayName="Title"/>
+        <xsd:element name="contentType" minOccurs="0" maxOccurs="1" type="xsd:string" ma:index="0" ma:displayName="Content Type"/>
+        <xsd:element ref="dc:title" minOccurs="0" maxOccurs="1" ma:index="4" ma:displayName="Title"/>
         <xsd:element ref="dc:subject" minOccurs="0" maxOccurs="1"/>
         <xsd:element ref="dc:description" minOccurs="0" maxOccurs="1"/>
         <xsd:element name="keywords" minOccurs="0" maxOccurs="1" type="xsd:string"/>
@@ -11726,26 +11980,27 @@
 <file path=customXml/itemProps2.xml><?xml version="1.0" encoding="utf-8"?>
 <ds:datastoreItem xmlns:ds="http://schemas.openxmlformats.org/officeDocument/2006/customXml" ds:itemID="{4CC7F809-A434-4A8D-A127-1C50C2DB3890}">
   <ds:schemaRefs>
+    <ds:schemaRef ds:uri="http://schemas.openxmlformats.org/package/2006/metadata/core-properties"/>
+    <ds:schemaRef ds:uri="http://schemas.microsoft.com/office/infopath/2007/PartnerControls"/>
+    <ds:schemaRef ds:uri="http://purl.org/dc/terms/"/>
+    <ds:schemaRef ds:uri="http://purl.org/dc/elements/1.1/"/>
     <ds:schemaRef ds:uri="http://schemas.microsoft.com/office/2006/metadata/properties"/>
-    <ds:schemaRef ds:uri="http://schemas.microsoft.com/office/infopath/2007/PartnerControls"/>
-    <ds:schemaRef ds:uri="http://schemas.microsoft.com/sharepoint/v3"/>
-    <ds:schemaRef ds:uri="71af3243-3dd4-4a8d-8c0d-dd76da1f02a5"/>
-    <ds:schemaRef ds:uri="230e9df3-be65-4c73-a93b-d1236ebd677e"/>
+    <ds:schemaRef ds:uri="http://purl.org/dc/dcmitype/"/>
+    <ds:schemaRef ds:uri="http://schemas.microsoft.com/office/2006/documentManagement/types"/>
+    <ds:schemaRef ds:uri="http://www.w3.org/XML/1998/namespace"/>
+    <ds:schemaRef ds:uri="ff055f09-ed7e-4055-a970-513b68afd9b6"/>
   </ds:schemaRefs>
 </ds:datastoreItem>
 </file>
 
 <file path=customXml/itemProps3.xml><?xml version="1.0" encoding="utf-8"?>
-<ds:datastoreItem xmlns:ds="http://schemas.openxmlformats.org/officeDocument/2006/customXml" ds:itemID="{00E6EE1E-660B-46C6-AC21-8E505FB9574F}">
+<ds:datastoreItem xmlns:ds="http://schemas.openxmlformats.org/officeDocument/2006/customXml" ds:itemID="{7403B42C-BA7D-4AE5-A84D-FECD0B493B6F}">
   <ds:schemaRefs>
     <ds:schemaRef ds:uri="http://schemas.microsoft.com/office/2006/metadata/contentType"/>
     <ds:schemaRef ds:uri="http://schemas.microsoft.com/office/2006/metadata/properties/metaAttributes"/>
     <ds:schemaRef ds:uri="http://www.w3.org/2001/XMLSchema"/>
     <ds:schemaRef ds:uri="http://schemas.microsoft.com/office/2006/metadata/properties"/>
-    <ds:schemaRef ds:uri="http://schemas.microsoft.com/sharepoint/v3"/>
-    <ds:schemaRef ds:uri="71af3243-3dd4-4a8d-8c0d-dd76da1f02a5"/>
-    <ds:schemaRef ds:uri="16c05727-aa75-4e4a-9b5f-8a80a1165891"/>
-    <ds:schemaRef ds:uri="230e9df3-be65-4c73-a93b-d1236ebd677e"/>
+    <ds:schemaRef ds:uri="ff055f09-ed7e-4055-a970-513b68afd9b6"/>
     <ds:schemaRef ds:uri="http://schemas.microsoft.com/office/2006/documentManagement/types"/>
     <ds:schemaRef ds:uri="http://schemas.microsoft.com/office/infopath/2007/PartnerControls"/>
     <ds:schemaRef ds:uri="http://schemas.openxmlformats.org/package/2006/metadata/core-properties"/>

--- a/Redes/REDES.pptx
+++ b/Redes/REDES.pptx
@@ -220,7 +220,7 @@
           <a:p>
             <a:fld id="{B56F32FC-4BD9-442A-A8C6-51598C909FE3}" type="datetimeFigureOut">
               <a:rPr lang="en-US" smtClean="0"/>
-              <a:t>2/21/2024</a:t>
+              <a:t>2/22/2024</a:t>
             </a:fld>
             <a:endParaRPr lang="en-US" dirty="0"/>
           </a:p>
@@ -11812,14 +11812,6 @@
 </file>
 
 <file path=customXml/item2.xml><?xml version="1.0" encoding="utf-8"?>
-<p:properties xmlns:p="http://schemas.microsoft.com/office/2006/metadata/properties" xmlns:xsi="http://www.w3.org/2001/XMLSchema-instance" xmlns:pc="http://schemas.microsoft.com/office/infopath/2007/PartnerControls">
-  <documentManagement>
-    <_activity xmlns="ff055f09-ed7e-4055-a970-513b68afd9b6" xsi:nil="true"/>
-  </documentManagement>
-</p:properties>
-</file>
-
-<file path=customXml/item3.xml><?xml version="1.0" encoding="utf-8"?>
 <ct:contentTypeSchema xmlns:ct="http://schemas.microsoft.com/office/2006/metadata/contentType" xmlns:ma="http://schemas.microsoft.com/office/2006/metadata/properties/metaAttributes" ct:_="" ma:_="" ma:contentTypeName="Document" ma:contentTypeID="0x010100B0513FBB0BB64641AE0FAA172719C487" ma:contentTypeVersion="5" ma:contentTypeDescription="Create a new document." ma:contentTypeScope="" ma:versionID="f987ed2a6cc855f8bc41ea4f7ebae43a">
   <xsd:schema xmlns:xsd="http://www.w3.org/2001/XMLSchema" xmlns:xs="http://www.w3.org/2001/XMLSchema" xmlns:p="http://schemas.microsoft.com/office/2006/metadata/properties" xmlns:ns3="ff055f09-ed7e-4055-a970-513b68afd9b6" targetNamespace="http://schemas.microsoft.com/office/2006/metadata/properties" ma:root="true" ma:fieldsID="4ba39c9759d5c4ebbbf592e820401a07" ns3:_="">
     <xsd:import namespace="ff055f09-ed7e-4055-a970-513b68afd9b6"/>
@@ -11969,6 +11961,14 @@
 </ct:contentTypeSchema>
 </file>
 
+<file path=customXml/item3.xml><?xml version="1.0" encoding="utf-8"?>
+<p:properties xmlns:p="http://schemas.microsoft.com/office/2006/metadata/properties" xmlns:xsi="http://www.w3.org/2001/XMLSchema-instance" xmlns:pc="http://schemas.microsoft.com/office/infopath/2007/PartnerControls">
+  <documentManagement>
+    <_activity xmlns="ff055f09-ed7e-4055-a970-513b68afd9b6" xsi:nil="true"/>
+  </documentManagement>
+</p:properties>
+</file>
+
 <file path=customXml/itemProps1.xml><?xml version="1.0" encoding="utf-8"?>
 <ds:datastoreItem xmlns:ds="http://schemas.openxmlformats.org/officeDocument/2006/customXml" ds:itemID="{BD5826B4-4DD2-4A9B-8D6D-E91CF9C2316C}">
   <ds:schemaRefs>
@@ -11978,22 +11978,6 @@
 </file>
 
 <file path=customXml/itemProps2.xml><?xml version="1.0" encoding="utf-8"?>
-<ds:datastoreItem xmlns:ds="http://schemas.openxmlformats.org/officeDocument/2006/customXml" ds:itemID="{4CC7F809-A434-4A8D-A127-1C50C2DB3890}">
-  <ds:schemaRefs>
-    <ds:schemaRef ds:uri="http://schemas.openxmlformats.org/package/2006/metadata/core-properties"/>
-    <ds:schemaRef ds:uri="http://schemas.microsoft.com/office/infopath/2007/PartnerControls"/>
-    <ds:schemaRef ds:uri="http://purl.org/dc/terms/"/>
-    <ds:schemaRef ds:uri="http://purl.org/dc/elements/1.1/"/>
-    <ds:schemaRef ds:uri="http://schemas.microsoft.com/office/2006/metadata/properties"/>
-    <ds:schemaRef ds:uri="http://purl.org/dc/dcmitype/"/>
-    <ds:schemaRef ds:uri="http://schemas.microsoft.com/office/2006/documentManagement/types"/>
-    <ds:schemaRef ds:uri="http://www.w3.org/XML/1998/namespace"/>
-    <ds:schemaRef ds:uri="ff055f09-ed7e-4055-a970-513b68afd9b6"/>
-  </ds:schemaRefs>
-</ds:datastoreItem>
-</file>
-
-<file path=customXml/itemProps3.xml><?xml version="1.0" encoding="utf-8"?>
 <ds:datastoreItem xmlns:ds="http://schemas.openxmlformats.org/officeDocument/2006/customXml" ds:itemID="{7403B42C-BA7D-4AE5-A84D-FECD0B493B6F}">
   <ds:schemaRefs>
     <ds:schemaRef ds:uri="http://schemas.microsoft.com/office/2006/metadata/contentType"/>
@@ -12011,6 +11995,22 @@
 </ds:datastoreItem>
 </file>
 
+<file path=customXml/itemProps3.xml><?xml version="1.0" encoding="utf-8"?>
+<ds:datastoreItem xmlns:ds="http://schemas.openxmlformats.org/officeDocument/2006/customXml" ds:itemID="{4CC7F809-A434-4A8D-A127-1C50C2DB3890}">
+  <ds:schemaRefs>
+    <ds:schemaRef ds:uri="http://schemas.openxmlformats.org/package/2006/metadata/core-properties"/>
+    <ds:schemaRef ds:uri="http://schemas.microsoft.com/office/infopath/2007/PartnerControls"/>
+    <ds:schemaRef ds:uri="http://purl.org/dc/terms/"/>
+    <ds:schemaRef ds:uri="http://purl.org/dc/elements/1.1/"/>
+    <ds:schemaRef ds:uri="http://schemas.microsoft.com/office/2006/metadata/properties"/>
+    <ds:schemaRef ds:uri="http://purl.org/dc/dcmitype/"/>
+    <ds:schemaRef ds:uri="http://schemas.microsoft.com/office/2006/documentManagement/types"/>
+    <ds:schemaRef ds:uri="http://www.w3.org/XML/1998/namespace"/>
+    <ds:schemaRef ds:uri="ff055f09-ed7e-4055-a970-513b68afd9b6"/>
+  </ds:schemaRefs>
+</ds:datastoreItem>
+</file>
+
 <file path=docMetadata/LabelInfo.xml><?xml version="1.0" encoding="utf-8"?>
 <clbl:labelList xmlns:clbl="http://schemas.microsoft.com/office/2020/mipLabelMetadata"/>
 </file>
--- a/Redes/REDES.pptx
+++ b/Redes/REDES.pptx
@@ -397,7 +397,7 @@
           <a:p>
             <a:fld id="{056371FA-A98D-41E8-93F4-09945841298A}" type="datetimeFigureOut">
               <a:rPr lang="en-US" smtClean="0"/>
-              <a:t>2/21/2024</a:t>
+              <a:t>2/22/2024</a:t>
             </a:fld>
             <a:endParaRPr lang="en-US" dirty="0"/>
           </a:p>
@@ -10488,13 +10488,13 @@
         </p:nvSpPr>
         <p:spPr>
           <a:xfrm>
-            <a:off x="6242050" y="3263358"/>
-            <a:ext cx="5111750" cy="1525588"/>
+            <a:off x="6242050" y="3246793"/>
+            <a:ext cx="5111750" cy="2237142"/>
           </a:xfrm>
         </p:spPr>
         <p:txBody>
           <a:bodyPr>
-            <a:normAutofit fontScale="92500" lnSpcReduction="20000"/>
+            <a:normAutofit fontScale="92500" lnSpcReduction="10000"/>
           </a:bodyPr>
           <a:lstStyle/>
           <a:p>
@@ -10514,6 +10514,13 @@
               <a:rPr lang="en-US" sz="3200" dirty="0"/>
               <a:t>Mac Address</a:t>
             </a:r>
+          </a:p>
+          <a:p>
+            <a:r>
+              <a:rPr lang="en-US" sz="3200" dirty="0" err="1"/>
+              <a:t>Vlan</a:t>
+            </a:r>
+            <a:endParaRPr lang="en-US" sz="3200" dirty="0"/>
           </a:p>
         </p:txBody>
       </p:sp>
@@ -11812,6 +11819,14 @@
 </file>
 
 <file path=customXml/item2.xml><?xml version="1.0" encoding="utf-8"?>
+<p:properties xmlns:p="http://schemas.microsoft.com/office/2006/metadata/properties" xmlns:xsi="http://www.w3.org/2001/XMLSchema-instance" xmlns:pc="http://schemas.microsoft.com/office/infopath/2007/PartnerControls">
+  <documentManagement>
+    <_activity xmlns="ff055f09-ed7e-4055-a970-513b68afd9b6" xsi:nil="true"/>
+  </documentManagement>
+</p:properties>
+</file>
+
+<file path=customXml/item3.xml><?xml version="1.0" encoding="utf-8"?>
 <ct:contentTypeSchema xmlns:ct="http://schemas.microsoft.com/office/2006/metadata/contentType" xmlns:ma="http://schemas.microsoft.com/office/2006/metadata/properties/metaAttributes" ct:_="" ma:_="" ma:contentTypeName="Document" ma:contentTypeID="0x010100B0513FBB0BB64641AE0FAA172719C487" ma:contentTypeVersion="5" ma:contentTypeDescription="Create a new document." ma:contentTypeScope="" ma:versionID="f987ed2a6cc855f8bc41ea4f7ebae43a">
   <xsd:schema xmlns:xsd="http://www.w3.org/2001/XMLSchema" xmlns:xs="http://www.w3.org/2001/XMLSchema" xmlns:p="http://schemas.microsoft.com/office/2006/metadata/properties" xmlns:ns3="ff055f09-ed7e-4055-a970-513b68afd9b6" targetNamespace="http://schemas.microsoft.com/office/2006/metadata/properties" ma:root="true" ma:fieldsID="4ba39c9759d5c4ebbbf592e820401a07" ns3:_="">
     <xsd:import namespace="ff055f09-ed7e-4055-a970-513b68afd9b6"/>
@@ -11961,14 +11976,6 @@
 </ct:contentTypeSchema>
 </file>
 
-<file path=customXml/item3.xml><?xml version="1.0" encoding="utf-8"?>
-<p:properties xmlns:p="http://schemas.microsoft.com/office/2006/metadata/properties" xmlns:xsi="http://www.w3.org/2001/XMLSchema-instance" xmlns:pc="http://schemas.microsoft.com/office/infopath/2007/PartnerControls">
-  <documentManagement>
-    <_activity xmlns="ff055f09-ed7e-4055-a970-513b68afd9b6" xsi:nil="true"/>
-  </documentManagement>
-</p:properties>
-</file>
-
 <file path=customXml/itemProps1.xml><?xml version="1.0" encoding="utf-8"?>
 <ds:datastoreItem xmlns:ds="http://schemas.openxmlformats.org/officeDocument/2006/customXml" ds:itemID="{BD5826B4-4DD2-4A9B-8D6D-E91CF9C2316C}">
   <ds:schemaRefs>
@@ -11978,6 +11985,22 @@
 </file>
 
 <file path=customXml/itemProps2.xml><?xml version="1.0" encoding="utf-8"?>
+<ds:datastoreItem xmlns:ds="http://schemas.openxmlformats.org/officeDocument/2006/customXml" ds:itemID="{4CC7F809-A434-4A8D-A127-1C50C2DB3890}">
+  <ds:schemaRefs>
+    <ds:schemaRef ds:uri="http://schemas.openxmlformats.org/package/2006/metadata/core-properties"/>
+    <ds:schemaRef ds:uri="http://schemas.microsoft.com/office/infopath/2007/PartnerControls"/>
+    <ds:schemaRef ds:uri="http://purl.org/dc/terms/"/>
+    <ds:schemaRef ds:uri="http://purl.org/dc/elements/1.1/"/>
+    <ds:schemaRef ds:uri="http://schemas.microsoft.com/office/2006/metadata/properties"/>
+    <ds:schemaRef ds:uri="http://purl.org/dc/dcmitype/"/>
+    <ds:schemaRef ds:uri="http://schemas.microsoft.com/office/2006/documentManagement/types"/>
+    <ds:schemaRef ds:uri="http://www.w3.org/XML/1998/namespace"/>
+    <ds:schemaRef ds:uri="ff055f09-ed7e-4055-a970-513b68afd9b6"/>
+  </ds:schemaRefs>
+</ds:datastoreItem>
+</file>
+
+<file path=customXml/itemProps3.xml><?xml version="1.0" encoding="utf-8"?>
 <ds:datastoreItem xmlns:ds="http://schemas.openxmlformats.org/officeDocument/2006/customXml" ds:itemID="{7403B42C-BA7D-4AE5-A84D-FECD0B493B6F}">
   <ds:schemaRefs>
     <ds:schemaRef ds:uri="http://schemas.microsoft.com/office/2006/metadata/contentType"/>
@@ -11995,22 +12018,6 @@
 </ds:datastoreItem>
 </file>
 
-<file path=customXml/itemProps3.xml><?xml version="1.0" encoding="utf-8"?>
-<ds:datastoreItem xmlns:ds="http://schemas.openxmlformats.org/officeDocument/2006/customXml" ds:itemID="{4CC7F809-A434-4A8D-A127-1C50C2DB3890}">
-  <ds:schemaRefs>
-    <ds:schemaRef ds:uri="http://schemas.openxmlformats.org/package/2006/metadata/core-properties"/>
-    <ds:schemaRef ds:uri="http://schemas.microsoft.com/office/infopath/2007/PartnerControls"/>
-    <ds:schemaRef ds:uri="http://purl.org/dc/terms/"/>
-    <ds:schemaRef ds:uri="http://purl.org/dc/elements/1.1/"/>
-    <ds:schemaRef ds:uri="http://schemas.microsoft.com/office/2006/metadata/properties"/>
-    <ds:schemaRef ds:uri="http://purl.org/dc/dcmitype/"/>
-    <ds:schemaRef ds:uri="http://schemas.microsoft.com/office/2006/documentManagement/types"/>
-    <ds:schemaRef ds:uri="http://www.w3.org/XML/1998/namespace"/>
-    <ds:schemaRef ds:uri="ff055f09-ed7e-4055-a970-513b68afd9b6"/>
-  </ds:schemaRefs>
-</ds:datastoreItem>
-</file>
-
 <file path=docMetadata/LabelInfo.xml><?xml version="1.0" encoding="utf-8"?>
 <clbl:labelList xmlns:clbl="http://schemas.microsoft.com/office/2020/mipLabelMetadata"/>
 </file>